--- a/부의확장.pptx
+++ b/부의확장.pptx
@@ -6,6 +6,12 @@
   </p:sldMasterIdLst>
   <p:sldIdLst>
     <p:sldId id="256" r:id="rId2"/>
+    <p:sldId id="257" r:id="rId3"/>
+    <p:sldId id="258" r:id="rId4"/>
+    <p:sldId id="259" r:id="rId5"/>
+    <p:sldId id="260" r:id="rId6"/>
+    <p:sldId id="261" r:id="rId7"/>
+    <p:sldId id="262" r:id="rId8"/>
   </p:sldIdLst>
   <p:sldSz cx="9144000" cy="6858000" type="screen4x3"/>
   <p:notesSz cx="6858000" cy="9144000"/>
@@ -104,6 +110,11 @@
       </a:defRPr>
     </a:lvl9pPr>
   </p:defaultTextStyle>
+  <p:extLst>
+    <p:ext uri="{EFAFB233-063F-42B5-8137-9DF3F51BA10A}">
+      <p15:sldGuideLst xmlns:p15="http://schemas.microsoft.com/office/powerpoint/2012/main"/>
+    </p:ext>
+  </p:extLst>
 </p:presentation>
 </file>
 
@@ -238,7 +249,7 @@
           <a:p>
             <a:fld id="{97FC2D56-3C9E-490A-9C5D-641D829E58FA}" type="datetimeFigureOut">
               <a:rPr lang="ko-KR" altLang="en-US" smtClean="0"/>
-              <a:t>2020-03-01</a:t>
+              <a:t>2020-03-02</a:t>
             </a:fld>
             <a:endParaRPr lang="ko-KR" altLang="en-US"/>
           </a:p>
@@ -408,7 +419,7 @@
           <a:p>
             <a:fld id="{97FC2D56-3C9E-490A-9C5D-641D829E58FA}" type="datetimeFigureOut">
               <a:rPr lang="ko-KR" altLang="en-US" smtClean="0"/>
-              <a:t>2020-03-01</a:t>
+              <a:t>2020-03-02</a:t>
             </a:fld>
             <a:endParaRPr lang="ko-KR" altLang="en-US"/>
           </a:p>
@@ -588,7 +599,7 @@
           <a:p>
             <a:fld id="{97FC2D56-3C9E-490A-9C5D-641D829E58FA}" type="datetimeFigureOut">
               <a:rPr lang="ko-KR" altLang="en-US" smtClean="0"/>
-              <a:t>2020-03-01</a:t>
+              <a:t>2020-03-02</a:t>
             </a:fld>
             <a:endParaRPr lang="ko-KR" altLang="en-US"/>
           </a:p>
@@ -758,7 +769,7 @@
           <a:p>
             <a:fld id="{97FC2D56-3C9E-490A-9C5D-641D829E58FA}" type="datetimeFigureOut">
               <a:rPr lang="ko-KR" altLang="en-US" smtClean="0"/>
-              <a:t>2020-03-01</a:t>
+              <a:t>2020-03-02</a:t>
             </a:fld>
             <a:endParaRPr lang="ko-KR" altLang="en-US"/>
           </a:p>
@@ -1002,7 +1013,7 @@
           <a:p>
             <a:fld id="{97FC2D56-3C9E-490A-9C5D-641D829E58FA}" type="datetimeFigureOut">
               <a:rPr lang="ko-KR" altLang="en-US" smtClean="0"/>
-              <a:t>2020-03-01</a:t>
+              <a:t>2020-03-02</a:t>
             </a:fld>
             <a:endParaRPr lang="ko-KR" altLang="en-US"/>
           </a:p>
@@ -1234,7 +1245,7 @@
           <a:p>
             <a:fld id="{97FC2D56-3C9E-490A-9C5D-641D829E58FA}" type="datetimeFigureOut">
               <a:rPr lang="ko-KR" altLang="en-US" smtClean="0"/>
-              <a:t>2020-03-01</a:t>
+              <a:t>2020-03-02</a:t>
             </a:fld>
             <a:endParaRPr lang="ko-KR" altLang="en-US"/>
           </a:p>
@@ -1601,7 +1612,7 @@
           <a:p>
             <a:fld id="{97FC2D56-3C9E-490A-9C5D-641D829E58FA}" type="datetimeFigureOut">
               <a:rPr lang="ko-KR" altLang="en-US" smtClean="0"/>
-              <a:t>2020-03-01</a:t>
+              <a:t>2020-03-02</a:t>
             </a:fld>
             <a:endParaRPr lang="ko-KR" altLang="en-US"/>
           </a:p>
@@ -1719,7 +1730,7 @@
           <a:p>
             <a:fld id="{97FC2D56-3C9E-490A-9C5D-641D829E58FA}" type="datetimeFigureOut">
               <a:rPr lang="ko-KR" altLang="en-US" smtClean="0"/>
-              <a:t>2020-03-01</a:t>
+              <a:t>2020-03-02</a:t>
             </a:fld>
             <a:endParaRPr lang="ko-KR" altLang="en-US"/>
           </a:p>
@@ -1814,7 +1825,7 @@
           <a:p>
             <a:fld id="{97FC2D56-3C9E-490A-9C5D-641D829E58FA}" type="datetimeFigureOut">
               <a:rPr lang="ko-KR" altLang="en-US" smtClean="0"/>
-              <a:t>2020-03-01</a:t>
+              <a:t>2020-03-02</a:t>
             </a:fld>
             <a:endParaRPr lang="ko-KR" altLang="en-US"/>
           </a:p>
@@ -2091,7 +2102,7 @@
           <a:p>
             <a:fld id="{97FC2D56-3C9E-490A-9C5D-641D829E58FA}" type="datetimeFigureOut">
               <a:rPr lang="ko-KR" altLang="en-US" smtClean="0"/>
-              <a:t>2020-03-01</a:t>
+              <a:t>2020-03-02</a:t>
             </a:fld>
             <a:endParaRPr lang="ko-KR" altLang="en-US"/>
           </a:p>
@@ -2348,7 +2359,7 @@
           <a:p>
             <a:fld id="{97FC2D56-3C9E-490A-9C5D-641D829E58FA}" type="datetimeFigureOut">
               <a:rPr lang="ko-KR" altLang="en-US" smtClean="0"/>
-              <a:t>2020-03-01</a:t>
+              <a:t>2020-03-02</a:t>
             </a:fld>
             <a:endParaRPr lang="ko-KR" altLang="en-US"/>
           </a:p>
@@ -2561,7 +2572,7 @@
           <a:p>
             <a:fld id="{97FC2D56-3C9E-490A-9C5D-641D829E58FA}" type="datetimeFigureOut">
               <a:rPr lang="ko-KR" altLang="en-US" smtClean="0"/>
-              <a:t>2020-03-01</a:t>
+              <a:t>2020-03-02</a:t>
             </a:fld>
             <a:endParaRPr lang="ko-KR" altLang="en-US"/>
           </a:p>
@@ -3055,6 +3066,564 @@
 </p:sld>
 </file>
 
+<file path=ppt/slides/slide2.xml><?xml version="1.0" encoding="utf-8"?>
+<p:sld xmlns:a="http://schemas.openxmlformats.org/drawingml/2006/main" xmlns:r="http://schemas.openxmlformats.org/officeDocument/2006/relationships" xmlns:p="http://schemas.openxmlformats.org/presentationml/2006/main">
+  <p:cSld>
+    <p:spTree>
+      <p:nvGrpSpPr>
+        <p:cNvPr id="1" name=""/>
+        <p:cNvGrpSpPr/>
+        <p:nvPr/>
+      </p:nvGrpSpPr>
+      <p:grpSpPr>
+        <a:xfrm>
+          <a:off x="0" y="0"/>
+          <a:ext cx="0" cy="0"/>
+          <a:chOff x="0" y="0"/>
+          <a:chExt cx="0" cy="0"/>
+        </a:xfrm>
+      </p:grpSpPr>
+      <p:sp>
+        <p:nvSpPr>
+          <p:cNvPr id="2" name="제목 1">
+            <a:extLst>
+              <a:ext uri="{FF2B5EF4-FFF2-40B4-BE49-F238E27FC236}">
+                <a16:creationId xmlns:a16="http://schemas.microsoft.com/office/drawing/2014/main" id="{A93828B7-41A2-4008-BCD3-4C5CC9C61850}"/>
+              </a:ext>
+            </a:extLst>
+          </p:cNvPr>
+          <p:cNvSpPr>
+            <a:spLocks noGrp="1"/>
+          </p:cNvSpPr>
+          <p:nvPr>
+            <p:ph type="title"/>
+          </p:nvPr>
+        </p:nvSpPr>
+        <p:spPr/>
+        <p:txBody>
+          <a:bodyPr/>
+          <a:lstStyle/>
+          <a:p>
+            <a:endParaRPr lang="ko-KR" altLang="en-US"/>
+          </a:p>
+        </p:txBody>
+      </p:sp>
+      <p:sp>
+        <p:nvSpPr>
+          <p:cNvPr id="3" name="내용 개체 틀 2">
+            <a:extLst>
+              <a:ext uri="{FF2B5EF4-FFF2-40B4-BE49-F238E27FC236}">
+                <a16:creationId xmlns:a16="http://schemas.microsoft.com/office/drawing/2014/main" id="{A49CF2C9-8CEA-4EF8-AC3A-4D9FC1DF0BF5}"/>
+              </a:ext>
+            </a:extLst>
+          </p:cNvPr>
+          <p:cNvSpPr>
+            <a:spLocks noGrp="1"/>
+          </p:cNvSpPr>
+          <p:nvPr>
+            <p:ph idx="1"/>
+          </p:nvPr>
+        </p:nvSpPr>
+        <p:spPr/>
+        <p:txBody>
+          <a:bodyPr/>
+          <a:lstStyle/>
+          <a:p>
+            <a:r>
+              <a:rPr lang="ko-KR" altLang="en-US" dirty="0"/>
+              <a:t>인생이란 타고난 무형자산과 자기개발 된 무형자산을 유형자산으로 </a:t>
+            </a:r>
+            <a:r>
+              <a:rPr lang="ko-KR" altLang="en-US" dirty="0" err="1"/>
+              <a:t>치환해나가는</a:t>
+            </a:r>
+            <a:r>
+              <a:rPr lang="ko-KR" altLang="en-US" dirty="0"/>
+              <a:t> 과정이다</a:t>
+            </a:r>
+            <a:r>
+              <a:rPr lang="en-US" altLang="ko-KR" dirty="0"/>
+              <a:t>.</a:t>
+            </a:r>
+            <a:endParaRPr lang="ko-KR" altLang="en-US" dirty="0"/>
+          </a:p>
+        </p:txBody>
+      </p:sp>
+    </p:spTree>
+    <p:extLst>
+      <p:ext uri="{BB962C8B-B14F-4D97-AF65-F5344CB8AC3E}">
+        <p14:creationId xmlns:p14="http://schemas.microsoft.com/office/powerpoint/2010/main" val="1486876866"/>
+      </p:ext>
+    </p:extLst>
+  </p:cSld>
+  <p:clrMapOvr>
+    <a:masterClrMapping/>
+  </p:clrMapOvr>
+</p:sld>
+</file>
+
+<file path=ppt/slides/slide3.xml><?xml version="1.0" encoding="utf-8"?>
+<p:sld xmlns:a="http://schemas.openxmlformats.org/drawingml/2006/main" xmlns:r="http://schemas.openxmlformats.org/officeDocument/2006/relationships" xmlns:p="http://schemas.openxmlformats.org/presentationml/2006/main">
+  <p:cSld>
+    <p:spTree>
+      <p:nvGrpSpPr>
+        <p:cNvPr id="1" name=""/>
+        <p:cNvGrpSpPr/>
+        <p:nvPr/>
+      </p:nvGrpSpPr>
+      <p:grpSpPr>
+        <a:xfrm>
+          <a:off x="0" y="0"/>
+          <a:ext cx="0" cy="0"/>
+          <a:chOff x="0" y="0"/>
+          <a:chExt cx="0" cy="0"/>
+        </a:xfrm>
+      </p:grpSpPr>
+      <p:sp>
+        <p:nvSpPr>
+          <p:cNvPr id="2" name="제목 1">
+            <a:extLst>
+              <a:ext uri="{FF2B5EF4-FFF2-40B4-BE49-F238E27FC236}">
+                <a16:creationId xmlns:a16="http://schemas.microsoft.com/office/drawing/2014/main" id="{07CDA866-9BAE-4CA5-BA16-7BEEC2F32100}"/>
+              </a:ext>
+            </a:extLst>
+          </p:cNvPr>
+          <p:cNvSpPr>
+            <a:spLocks noGrp="1"/>
+          </p:cNvSpPr>
+          <p:nvPr>
+            <p:ph type="title"/>
+          </p:nvPr>
+        </p:nvSpPr>
+        <p:spPr/>
+        <p:txBody>
+          <a:bodyPr/>
+          <a:lstStyle/>
+          <a:p>
+            <a:r>
+              <a:rPr lang="ko-KR" altLang="en-US" dirty="0"/>
+              <a:t>부는 연결이다</a:t>
+            </a:r>
+          </a:p>
+        </p:txBody>
+      </p:sp>
+      <p:sp>
+        <p:nvSpPr>
+          <p:cNvPr id="3" name="내용 개체 틀 2">
+            <a:extLst>
+              <a:ext uri="{FF2B5EF4-FFF2-40B4-BE49-F238E27FC236}">
+                <a16:creationId xmlns:a16="http://schemas.microsoft.com/office/drawing/2014/main" id="{7E6BAF09-674E-4681-803F-BA40440EAE5E}"/>
+              </a:ext>
+            </a:extLst>
+          </p:cNvPr>
+          <p:cNvSpPr>
+            <a:spLocks noGrp="1"/>
+          </p:cNvSpPr>
+          <p:nvPr>
+            <p:ph idx="1"/>
+          </p:nvPr>
+        </p:nvSpPr>
+        <p:spPr/>
+        <p:txBody>
+          <a:bodyPr/>
+          <a:lstStyle/>
+          <a:p>
+            <a:r>
+              <a:rPr lang="ko-KR" altLang="en-US" dirty="0"/>
+              <a:t>돈에 대한 아이큐가 부를 결정한다</a:t>
+            </a:r>
+            <a:r>
+              <a:rPr lang="en-US" altLang="ko-KR" dirty="0"/>
+              <a:t>.</a:t>
+            </a:r>
+            <a:endParaRPr lang="ko-KR" altLang="en-US" dirty="0"/>
+          </a:p>
+        </p:txBody>
+      </p:sp>
+    </p:spTree>
+    <p:extLst>
+      <p:ext uri="{BB962C8B-B14F-4D97-AF65-F5344CB8AC3E}">
+        <p14:creationId xmlns:p14="http://schemas.microsoft.com/office/powerpoint/2010/main" val="627271844"/>
+      </p:ext>
+    </p:extLst>
+  </p:cSld>
+  <p:clrMapOvr>
+    <a:masterClrMapping/>
+  </p:clrMapOvr>
+</p:sld>
+</file>
+
+<file path=ppt/slides/slide4.xml><?xml version="1.0" encoding="utf-8"?>
+<p:sld xmlns:a="http://schemas.openxmlformats.org/drawingml/2006/main" xmlns:r="http://schemas.openxmlformats.org/officeDocument/2006/relationships" xmlns:p="http://schemas.openxmlformats.org/presentationml/2006/main">
+  <p:cSld>
+    <p:spTree>
+      <p:nvGrpSpPr>
+        <p:cNvPr id="1" name=""/>
+        <p:cNvGrpSpPr/>
+        <p:nvPr/>
+      </p:nvGrpSpPr>
+      <p:grpSpPr>
+        <a:xfrm>
+          <a:off x="0" y="0"/>
+          <a:ext cx="0" cy="0"/>
+          <a:chOff x="0" y="0"/>
+          <a:chExt cx="0" cy="0"/>
+        </a:xfrm>
+      </p:grpSpPr>
+      <p:sp>
+        <p:nvSpPr>
+          <p:cNvPr id="2" name="제목 1">
+            <a:extLst>
+              <a:ext uri="{FF2B5EF4-FFF2-40B4-BE49-F238E27FC236}">
+                <a16:creationId xmlns:a16="http://schemas.microsoft.com/office/drawing/2014/main" id="{F773EBFC-004B-4C71-AD45-ABA62B1DBE75}"/>
+              </a:ext>
+            </a:extLst>
+          </p:cNvPr>
+          <p:cNvSpPr>
+            <a:spLocks noGrp="1"/>
+          </p:cNvSpPr>
+          <p:nvPr>
+            <p:ph type="title"/>
+          </p:nvPr>
+        </p:nvSpPr>
+        <p:spPr/>
+        <p:txBody>
+          <a:bodyPr/>
+          <a:lstStyle/>
+          <a:p>
+            <a:r>
+              <a:rPr lang="ko-KR" altLang="en-US" dirty="0"/>
+              <a:t>부의 </a:t>
+            </a:r>
+            <a:r>
+              <a:rPr lang="en-US" altLang="ko-KR" dirty="0"/>
+              <a:t>DNA</a:t>
+            </a:r>
+            <a:r>
+              <a:rPr lang="ko-KR" altLang="en-US" dirty="0"/>
+              <a:t>를 깨우는 법</a:t>
+            </a:r>
+          </a:p>
+        </p:txBody>
+      </p:sp>
+      <p:sp>
+        <p:nvSpPr>
+          <p:cNvPr id="3" name="내용 개체 틀 2">
+            <a:extLst>
+              <a:ext uri="{FF2B5EF4-FFF2-40B4-BE49-F238E27FC236}">
+                <a16:creationId xmlns:a16="http://schemas.microsoft.com/office/drawing/2014/main" id="{E8C55E2D-B7FE-481E-AE2D-A8811DD99AAC}"/>
+              </a:ext>
+            </a:extLst>
+          </p:cNvPr>
+          <p:cNvSpPr>
+            <a:spLocks noGrp="1"/>
+          </p:cNvSpPr>
+          <p:nvPr>
+            <p:ph idx="1"/>
+          </p:nvPr>
+        </p:nvSpPr>
+        <p:spPr/>
+        <p:txBody>
+          <a:bodyPr/>
+          <a:lstStyle/>
+          <a:p>
+            <a:r>
+              <a:rPr lang="ko-KR" altLang="en-US" dirty="0"/>
+              <a:t>나를 중심으로 돈을 연결하는 힘</a:t>
+            </a:r>
+          </a:p>
+        </p:txBody>
+      </p:sp>
+    </p:spTree>
+    <p:extLst>
+      <p:ext uri="{BB962C8B-B14F-4D97-AF65-F5344CB8AC3E}">
+        <p14:creationId xmlns:p14="http://schemas.microsoft.com/office/powerpoint/2010/main" val="2251490685"/>
+      </p:ext>
+    </p:extLst>
+  </p:cSld>
+  <p:clrMapOvr>
+    <a:masterClrMapping/>
+  </p:clrMapOvr>
+</p:sld>
+</file>
+
+<file path=ppt/slides/slide5.xml><?xml version="1.0" encoding="utf-8"?>
+<p:sld xmlns:a="http://schemas.openxmlformats.org/drawingml/2006/main" xmlns:r="http://schemas.openxmlformats.org/officeDocument/2006/relationships" xmlns:p="http://schemas.openxmlformats.org/presentationml/2006/main">
+  <p:cSld>
+    <p:spTree>
+      <p:nvGrpSpPr>
+        <p:cNvPr id="1" name=""/>
+        <p:cNvGrpSpPr/>
+        <p:nvPr/>
+      </p:nvGrpSpPr>
+      <p:grpSpPr>
+        <a:xfrm>
+          <a:off x="0" y="0"/>
+          <a:ext cx="0" cy="0"/>
+          <a:chOff x="0" y="0"/>
+          <a:chExt cx="0" cy="0"/>
+        </a:xfrm>
+      </p:grpSpPr>
+      <p:sp>
+        <p:nvSpPr>
+          <p:cNvPr id="2" name="제목 1">
+            <a:extLst>
+              <a:ext uri="{FF2B5EF4-FFF2-40B4-BE49-F238E27FC236}">
+                <a16:creationId xmlns:a16="http://schemas.microsoft.com/office/drawing/2014/main" id="{56DC5FF7-0AA9-4DF5-98BB-A945CAEC21FA}"/>
+              </a:ext>
+            </a:extLst>
+          </p:cNvPr>
+          <p:cNvSpPr>
+            <a:spLocks noGrp="1"/>
+          </p:cNvSpPr>
+          <p:nvPr>
+            <p:ph type="title"/>
+          </p:nvPr>
+        </p:nvSpPr>
+        <p:spPr/>
+        <p:txBody>
+          <a:bodyPr/>
+          <a:lstStyle/>
+          <a:p>
+            <a:r>
+              <a:rPr lang="ko-KR" altLang="en-US" dirty="0"/>
+              <a:t>부의 </a:t>
+            </a:r>
+            <a:r>
+              <a:rPr lang="en-US" altLang="ko-KR" dirty="0"/>
+              <a:t>DNA</a:t>
+            </a:r>
+            <a:r>
+              <a:rPr lang="ko-KR" altLang="en-US" dirty="0"/>
+              <a:t>를 자산으로 바꾸는 기술</a:t>
+            </a:r>
+          </a:p>
+        </p:txBody>
+      </p:sp>
+      <p:sp>
+        <p:nvSpPr>
+          <p:cNvPr id="3" name="내용 개체 틀 2">
+            <a:extLst>
+              <a:ext uri="{FF2B5EF4-FFF2-40B4-BE49-F238E27FC236}">
+                <a16:creationId xmlns:a16="http://schemas.microsoft.com/office/drawing/2014/main" id="{966F4DDF-B533-4312-9BD8-D3FA7BC13885}"/>
+              </a:ext>
+            </a:extLst>
+          </p:cNvPr>
+          <p:cNvSpPr>
+            <a:spLocks noGrp="1"/>
+          </p:cNvSpPr>
+          <p:nvPr>
+            <p:ph idx="1"/>
+          </p:nvPr>
+        </p:nvSpPr>
+        <p:spPr/>
+        <p:txBody>
+          <a:bodyPr/>
+          <a:lstStyle/>
+          <a:p>
+            <a:r>
+              <a:rPr lang="ko-KR" altLang="en-US" dirty="0"/>
+              <a:t>무형자산은 어떻게 유형자산이 되는가</a:t>
+            </a:r>
+            <a:endParaRPr lang="en-US" altLang="ko-KR" dirty="0"/>
+          </a:p>
+          <a:p>
+            <a:endParaRPr lang="ko-KR" altLang="en-US" dirty="0"/>
+          </a:p>
+        </p:txBody>
+      </p:sp>
+    </p:spTree>
+    <p:extLst>
+      <p:ext uri="{BB962C8B-B14F-4D97-AF65-F5344CB8AC3E}">
+        <p14:creationId xmlns:p14="http://schemas.microsoft.com/office/powerpoint/2010/main" val="2483189538"/>
+      </p:ext>
+    </p:extLst>
+  </p:cSld>
+  <p:clrMapOvr>
+    <a:masterClrMapping/>
+  </p:clrMapOvr>
+</p:sld>
+</file>
+
+<file path=ppt/slides/slide6.xml><?xml version="1.0" encoding="utf-8"?>
+<p:sld xmlns:a="http://schemas.openxmlformats.org/drawingml/2006/main" xmlns:r="http://schemas.openxmlformats.org/officeDocument/2006/relationships" xmlns:p="http://schemas.openxmlformats.org/presentationml/2006/main">
+  <p:cSld>
+    <p:spTree>
+      <p:nvGrpSpPr>
+        <p:cNvPr id="1" name=""/>
+        <p:cNvGrpSpPr/>
+        <p:nvPr/>
+      </p:nvGrpSpPr>
+      <p:grpSpPr>
+        <a:xfrm>
+          <a:off x="0" y="0"/>
+          <a:ext cx="0" cy="0"/>
+          <a:chOff x="0" y="0"/>
+          <a:chExt cx="0" cy="0"/>
+        </a:xfrm>
+      </p:grpSpPr>
+      <p:sp>
+        <p:nvSpPr>
+          <p:cNvPr id="2" name="제목 1">
+            <a:extLst>
+              <a:ext uri="{FF2B5EF4-FFF2-40B4-BE49-F238E27FC236}">
+                <a16:creationId xmlns:a16="http://schemas.microsoft.com/office/drawing/2014/main" id="{EDCE7983-6AD3-456A-93F9-5A83F3615C01}"/>
+              </a:ext>
+            </a:extLst>
+          </p:cNvPr>
+          <p:cNvSpPr>
+            <a:spLocks noGrp="1"/>
+          </p:cNvSpPr>
+          <p:nvPr>
+            <p:ph type="title"/>
+          </p:nvPr>
+        </p:nvSpPr>
+        <p:spPr/>
+        <p:txBody>
+          <a:bodyPr/>
+          <a:lstStyle/>
+          <a:p>
+            <a:r>
+              <a:rPr lang="ko-KR" altLang="en-US" dirty="0"/>
+              <a:t>부를 확장하는 </a:t>
+            </a:r>
+            <a:r>
+              <a:rPr lang="en-US" altLang="ko-KR" dirty="0"/>
+              <a:t>6 STEPS</a:t>
+            </a:r>
+            <a:endParaRPr lang="ko-KR" altLang="en-US" dirty="0"/>
+          </a:p>
+        </p:txBody>
+      </p:sp>
+      <p:sp>
+        <p:nvSpPr>
+          <p:cNvPr id="3" name="내용 개체 틀 2">
+            <a:extLst>
+              <a:ext uri="{FF2B5EF4-FFF2-40B4-BE49-F238E27FC236}">
+                <a16:creationId xmlns:a16="http://schemas.microsoft.com/office/drawing/2014/main" id="{7794020F-0BC5-41FB-BFFF-84D130FAC151}"/>
+              </a:ext>
+            </a:extLst>
+          </p:cNvPr>
+          <p:cNvSpPr>
+            <a:spLocks noGrp="1"/>
+          </p:cNvSpPr>
+          <p:nvPr>
+            <p:ph idx="1"/>
+          </p:nvPr>
+        </p:nvSpPr>
+        <p:spPr/>
+        <p:txBody>
+          <a:bodyPr/>
+          <a:lstStyle/>
+          <a:p>
+            <a:endParaRPr lang="ko-KR" altLang="en-US"/>
+          </a:p>
+        </p:txBody>
+      </p:sp>
+    </p:spTree>
+    <p:extLst>
+      <p:ext uri="{BB962C8B-B14F-4D97-AF65-F5344CB8AC3E}">
+        <p14:creationId xmlns:p14="http://schemas.microsoft.com/office/powerpoint/2010/main" val="876888165"/>
+      </p:ext>
+    </p:extLst>
+  </p:cSld>
+  <p:clrMapOvr>
+    <a:masterClrMapping/>
+  </p:clrMapOvr>
+</p:sld>
+</file>
+
+<file path=ppt/slides/slide7.xml><?xml version="1.0" encoding="utf-8"?>
+<p:sld xmlns:a="http://schemas.openxmlformats.org/drawingml/2006/main" xmlns:r="http://schemas.openxmlformats.org/officeDocument/2006/relationships" xmlns:p="http://schemas.openxmlformats.org/presentationml/2006/main">
+  <p:cSld>
+    <p:spTree>
+      <p:nvGrpSpPr>
+        <p:cNvPr id="1" name=""/>
+        <p:cNvGrpSpPr/>
+        <p:nvPr/>
+      </p:nvGrpSpPr>
+      <p:grpSpPr>
+        <a:xfrm>
+          <a:off x="0" y="0"/>
+          <a:ext cx="0" cy="0"/>
+          <a:chOff x="0" y="0"/>
+          <a:chExt cx="0" cy="0"/>
+        </a:xfrm>
+      </p:grpSpPr>
+      <p:sp>
+        <p:nvSpPr>
+          <p:cNvPr id="2" name="제목 1">
+            <a:extLst>
+              <a:ext uri="{FF2B5EF4-FFF2-40B4-BE49-F238E27FC236}">
+                <a16:creationId xmlns:a16="http://schemas.microsoft.com/office/drawing/2014/main" id="{4BFC592D-7A55-4B26-972D-C1525EE193BB}"/>
+              </a:ext>
+            </a:extLst>
+          </p:cNvPr>
+          <p:cNvSpPr>
+            <a:spLocks noGrp="1"/>
+          </p:cNvSpPr>
+          <p:nvPr>
+            <p:ph type="title"/>
+          </p:nvPr>
+        </p:nvSpPr>
+        <p:spPr/>
+        <p:txBody>
+          <a:bodyPr/>
+          <a:lstStyle/>
+          <a:p>
+            <a:r>
+              <a:rPr lang="ko-KR" altLang="en-US" dirty="0"/>
+              <a:t>분산투자와 </a:t>
+            </a:r>
+            <a:r>
+              <a:rPr lang="ko-KR" altLang="en-US" dirty="0" err="1"/>
+              <a:t>리스크관리</a:t>
+            </a:r>
+            <a:endParaRPr lang="ko-KR" altLang="en-US" dirty="0"/>
+          </a:p>
+        </p:txBody>
+      </p:sp>
+      <p:sp>
+        <p:nvSpPr>
+          <p:cNvPr id="3" name="내용 개체 틀 2">
+            <a:extLst>
+              <a:ext uri="{FF2B5EF4-FFF2-40B4-BE49-F238E27FC236}">
+                <a16:creationId xmlns:a16="http://schemas.microsoft.com/office/drawing/2014/main" id="{3F464ABE-1C8B-4DF0-9FBF-97E6654ED84E}"/>
+              </a:ext>
+            </a:extLst>
+          </p:cNvPr>
+          <p:cNvSpPr>
+            <a:spLocks noGrp="1"/>
+          </p:cNvSpPr>
+          <p:nvPr>
+            <p:ph idx="1"/>
+          </p:nvPr>
+        </p:nvSpPr>
+        <p:spPr/>
+        <p:txBody>
+          <a:bodyPr/>
+          <a:lstStyle/>
+          <a:p>
+            <a:r>
+              <a:rPr lang="ko-KR" altLang="en-US" dirty="0"/>
+              <a:t>시간과 유동성</a:t>
+            </a:r>
+          </a:p>
+        </p:txBody>
+      </p:sp>
+    </p:spTree>
+    <p:extLst>
+      <p:ext uri="{BB962C8B-B14F-4D97-AF65-F5344CB8AC3E}">
+        <p14:creationId xmlns:p14="http://schemas.microsoft.com/office/powerpoint/2010/main" val="151920417"/>
+      </p:ext>
+    </p:extLst>
+  </p:cSld>
+  <p:clrMapOvr>
+    <a:masterClrMapping/>
+  </p:clrMapOvr>
+</p:sld>
+</file>
+
 <file path=ppt/theme/theme1.xml><?xml version="1.0" encoding="utf-8"?>
 <a:theme xmlns:a="http://schemas.openxmlformats.org/drawingml/2006/main" name="Office Theme">
   <a:themeElements>
